--- a/turtle.pptx
+++ b/turtle.pptx
@@ -1901,6 +1901,13 @@
         </dgm:presLayoutVars>
       </dgm:prSet>
       <dgm:spPr/>
+      <dgm:t>
+        <a:bodyPr/>
+        <a:lstStyle/>
+        <a:p>
+          <a:endParaRPr lang="en-US"/>
+        </a:p>
+      </dgm:t>
     </dgm:pt>
     <dgm:pt modelId="{3F7C2DA8-533F-4DAE-9FBA-3FCB89E318F4}" type="pres">
       <dgm:prSet presAssocID="{FA7AC18B-48F5-43FC-9600-0BBBC394F562}" presName="parentText" presStyleLbl="node1" presStyleIdx="0" presStyleCnt="4">
@@ -1910,6 +1917,13 @@
         </dgm:presLayoutVars>
       </dgm:prSet>
       <dgm:spPr/>
+      <dgm:t>
+        <a:bodyPr/>
+        <a:lstStyle/>
+        <a:p>
+          <a:endParaRPr lang="en-US"/>
+        </a:p>
+      </dgm:t>
     </dgm:pt>
     <dgm:pt modelId="{B8A3A1A2-C821-4C17-AA23-24F3DE983B59}" type="pres">
       <dgm:prSet presAssocID="{107CD6EC-8FF3-40F4-BA22-613EC313A3A5}" presName="spacer" presStyleCnt="0"/>
@@ -1923,6 +1937,13 @@
         </dgm:presLayoutVars>
       </dgm:prSet>
       <dgm:spPr/>
+      <dgm:t>
+        <a:bodyPr/>
+        <a:lstStyle/>
+        <a:p>
+          <a:endParaRPr lang="en-US"/>
+        </a:p>
+      </dgm:t>
     </dgm:pt>
     <dgm:pt modelId="{BCA438EE-18D2-4620-BAF5-33DF9467FC39}" type="pres">
       <dgm:prSet presAssocID="{323B5F5D-9F7F-4C89-91D8-EC9C3DFB7BB3}" presName="spacer" presStyleCnt="0"/>
@@ -1936,6 +1957,13 @@
         </dgm:presLayoutVars>
       </dgm:prSet>
       <dgm:spPr/>
+      <dgm:t>
+        <a:bodyPr/>
+        <a:lstStyle/>
+        <a:p>
+          <a:endParaRPr lang="en-US"/>
+        </a:p>
+      </dgm:t>
     </dgm:pt>
     <dgm:pt modelId="{54FDFEC4-1925-4186-A6F5-6179BFF1BD9B}" type="pres">
       <dgm:prSet presAssocID="{ADBC88ED-3B9F-4A07-907A-AC822D7556B1}" presName="spacer" presStyleCnt="0"/>
@@ -1949,18 +1977,25 @@
         </dgm:presLayoutVars>
       </dgm:prSet>
       <dgm:spPr/>
+      <dgm:t>
+        <a:bodyPr/>
+        <a:lstStyle/>
+        <a:p>
+          <a:endParaRPr lang="en-US"/>
+        </a:p>
+      </dgm:t>
     </dgm:pt>
   </dgm:ptLst>
   <dgm:cxnLst>
+    <dgm:cxn modelId="{B951F725-D631-4143-8080-4FF255541AF8}" type="presOf" srcId="{8A5D0236-7721-4BA1-9573-FAE165A9D933}" destId="{612B2B17-69AA-4FDB-BFD2-3692303106AA}" srcOrd="0" destOrd="0" presId="urn:microsoft.com/office/officeart/2005/8/layout/vList2"/>
+    <dgm:cxn modelId="{9AE42430-02AE-4291-901C-5D45F0360D13}" type="presOf" srcId="{FA7AC18B-48F5-43FC-9600-0BBBC394F562}" destId="{3F7C2DA8-533F-4DAE-9FBA-3FCB89E318F4}" srcOrd="0" destOrd="0" presId="urn:microsoft.com/office/officeart/2005/8/layout/vList2"/>
+    <dgm:cxn modelId="{8325CC23-6413-4C10-89F6-5EFD42202552}" type="presOf" srcId="{AD7B29C7-4FF6-419A-91B2-A1D770CB02FA}" destId="{94542FF0-ED1D-4BAC-9D8A-D35F491695C5}" srcOrd="0" destOrd="0" presId="urn:microsoft.com/office/officeart/2005/8/layout/vList2"/>
+    <dgm:cxn modelId="{029450ED-3D14-4F09-BDCA-80D8488A9C3C}" type="presOf" srcId="{C6DC50C3-1E86-4CC1-AFB3-E972E7285DCE}" destId="{322AC7D5-1BD4-404F-8FD2-CA208DF0623D}" srcOrd="0" destOrd="0" presId="urn:microsoft.com/office/officeart/2005/8/layout/vList2"/>
+    <dgm:cxn modelId="{E97D05E6-6B5F-4FFA-8E4E-676FE2269487}" srcId="{8A5D0236-7721-4BA1-9573-FAE165A9D933}" destId="{FA7AC18B-48F5-43FC-9600-0BBBC394F562}" srcOrd="0" destOrd="0" parTransId="{C10DCF73-EBE6-4C2B-8DC4-BF3D2FD586AD}" sibTransId="{107CD6EC-8FF3-40F4-BA22-613EC313A3A5}"/>
     <dgm:cxn modelId="{6F189210-6F5F-4DE6-B02A-CF97173F0863}" srcId="{8A5D0236-7721-4BA1-9573-FAE165A9D933}" destId="{AD7B29C7-4FF6-419A-91B2-A1D770CB02FA}" srcOrd="3" destOrd="0" parTransId="{358EB151-A163-46F0-867F-8C4F1A1FD605}" sibTransId="{26EEB11C-4266-4FC8-A5CC-28C13E0F59F4}"/>
-    <dgm:cxn modelId="{8325CC23-6413-4C10-89F6-5EFD42202552}" type="presOf" srcId="{AD7B29C7-4FF6-419A-91B2-A1D770CB02FA}" destId="{94542FF0-ED1D-4BAC-9D8A-D35F491695C5}" srcOrd="0" destOrd="0" presId="urn:microsoft.com/office/officeart/2005/8/layout/vList2"/>
-    <dgm:cxn modelId="{B951F725-D631-4143-8080-4FF255541AF8}" type="presOf" srcId="{8A5D0236-7721-4BA1-9573-FAE165A9D933}" destId="{612B2B17-69AA-4FDB-BFD2-3692303106AA}" srcOrd="0" destOrd="0" presId="urn:microsoft.com/office/officeart/2005/8/layout/vList2"/>
+    <dgm:cxn modelId="{0A60D175-B59F-48D0-93C5-23E8B90EEA0D}" srcId="{8A5D0236-7721-4BA1-9573-FAE165A9D933}" destId="{C6DC50C3-1E86-4CC1-AFB3-E972E7285DCE}" srcOrd="1" destOrd="0" parTransId="{61985C6E-284E-4B0E-B362-72C50AD21068}" sibTransId="{323B5F5D-9F7F-4C89-91D8-EC9C3DFB7BB3}"/>
     <dgm:cxn modelId="{EDDCE029-0A83-4B69-868F-315E92048F93}" type="presOf" srcId="{CE708A1B-506A-4525-979E-16ED581350CE}" destId="{B4BEEC51-26E8-48EC-9598-350481441202}" srcOrd="0" destOrd="0" presId="urn:microsoft.com/office/officeart/2005/8/layout/vList2"/>
-    <dgm:cxn modelId="{9AE42430-02AE-4291-901C-5D45F0360D13}" type="presOf" srcId="{FA7AC18B-48F5-43FC-9600-0BBBC394F562}" destId="{3F7C2DA8-533F-4DAE-9FBA-3FCB89E318F4}" srcOrd="0" destOrd="0" presId="urn:microsoft.com/office/officeart/2005/8/layout/vList2"/>
-    <dgm:cxn modelId="{0A60D175-B59F-48D0-93C5-23E8B90EEA0D}" srcId="{8A5D0236-7721-4BA1-9573-FAE165A9D933}" destId="{C6DC50C3-1E86-4CC1-AFB3-E972E7285DCE}" srcOrd="1" destOrd="0" parTransId="{61985C6E-284E-4B0E-B362-72C50AD21068}" sibTransId="{323B5F5D-9F7F-4C89-91D8-EC9C3DFB7BB3}"/>
     <dgm:cxn modelId="{1AC69D80-8C7C-46A7-B62D-95165D81826B}" srcId="{8A5D0236-7721-4BA1-9573-FAE165A9D933}" destId="{CE708A1B-506A-4525-979E-16ED581350CE}" srcOrd="2" destOrd="0" parTransId="{A7D6D24C-893E-4B90-8391-6BA98F8682BD}" sibTransId="{ADBC88ED-3B9F-4A07-907A-AC822D7556B1}"/>
-    <dgm:cxn modelId="{E97D05E6-6B5F-4FFA-8E4E-676FE2269487}" srcId="{8A5D0236-7721-4BA1-9573-FAE165A9D933}" destId="{FA7AC18B-48F5-43FC-9600-0BBBC394F562}" srcOrd="0" destOrd="0" parTransId="{C10DCF73-EBE6-4C2B-8DC4-BF3D2FD586AD}" sibTransId="{107CD6EC-8FF3-40F4-BA22-613EC313A3A5}"/>
-    <dgm:cxn modelId="{029450ED-3D14-4F09-BDCA-80D8488A9C3C}" type="presOf" srcId="{C6DC50C3-1E86-4CC1-AFB3-E972E7285DCE}" destId="{322AC7D5-1BD4-404F-8FD2-CA208DF0623D}" srcOrd="0" destOrd="0" presId="urn:microsoft.com/office/officeart/2005/8/layout/vList2"/>
     <dgm:cxn modelId="{486CD366-EAD3-4877-8E2C-6FECEF7FFEC9}" type="presParOf" srcId="{612B2B17-69AA-4FDB-BFD2-3692303106AA}" destId="{3F7C2DA8-533F-4DAE-9FBA-3FCB89E318F4}" srcOrd="0" destOrd="0" presId="urn:microsoft.com/office/officeart/2005/8/layout/vList2"/>
     <dgm:cxn modelId="{7C973DFD-81BB-4040-8114-76934DEC2862}" type="presParOf" srcId="{612B2B17-69AA-4FDB-BFD2-3692303106AA}" destId="{B8A3A1A2-C821-4C17-AA23-24F3DE983B59}" srcOrd="1" destOrd="0" presId="urn:microsoft.com/office/officeart/2005/8/layout/vList2"/>
     <dgm:cxn modelId="{73644E5D-3CC8-4878-9EBF-58F492991815}" type="presParOf" srcId="{612B2B17-69AA-4FDB-BFD2-3692303106AA}" destId="{322AC7D5-1BD4-404F-8FD2-CA208DF0623D}" srcOrd="2" destOrd="0" presId="urn:microsoft.com/office/officeart/2005/8/layout/vList2"/>
@@ -2042,7 +2077,7 @@
         </a:bodyPr>
         <a:lstStyle/>
         <a:p>
-          <a:pPr marL="0" lvl="0" indent="0" algn="l" defTabSz="1333500">
+          <a:pPr lvl="0" algn="l" defTabSz="1333500">
             <a:lnSpc>
               <a:spcPct val="90000"/>
             </a:lnSpc>
@@ -2052,7 +2087,6 @@
             <a:spcAft>
               <a:spcPct val="35000"/>
             </a:spcAft>
-            <a:buNone/>
           </a:pPr>
           <a:r>
             <a:rPr lang="en-US" sz="3000" kern="1200"/>
@@ -2120,7 +2154,7 @@
         </a:bodyPr>
         <a:lstStyle/>
         <a:p>
-          <a:pPr marL="0" lvl="0" indent="0" algn="l" defTabSz="1333500">
+          <a:pPr lvl="0" algn="l" defTabSz="1333500">
             <a:lnSpc>
               <a:spcPct val="90000"/>
             </a:lnSpc>
@@ -2130,7 +2164,6 @@
             <a:spcAft>
               <a:spcPct val="35000"/>
             </a:spcAft>
-            <a:buNone/>
           </a:pPr>
           <a:r>
             <a:rPr lang="en-US" sz="3000" kern="1200"/>
@@ -2198,7 +2231,7 @@
         </a:bodyPr>
         <a:lstStyle/>
         <a:p>
-          <a:pPr marL="0" lvl="0" indent="0" algn="l" defTabSz="1333500">
+          <a:pPr lvl="0" algn="l" defTabSz="1333500">
             <a:lnSpc>
               <a:spcPct val="90000"/>
             </a:lnSpc>
@@ -2208,7 +2241,6 @@
             <a:spcAft>
               <a:spcPct val="35000"/>
             </a:spcAft>
-            <a:buNone/>
           </a:pPr>
           <a:r>
             <a:rPr lang="en-US" sz="3000" kern="1200"/>
@@ -2276,7 +2308,7 @@
         </a:bodyPr>
         <a:lstStyle/>
         <a:p>
-          <a:pPr marL="0" lvl="0" indent="0" algn="l" defTabSz="1333500">
+          <a:pPr lvl="0" algn="l" defTabSz="1333500">
             <a:lnSpc>
               <a:spcPct val="90000"/>
             </a:lnSpc>
@@ -2286,7 +2318,6 @@
             <a:spcAft>
               <a:spcPct val="35000"/>
             </a:spcAft>
-            <a:buNone/>
           </a:pPr>
           <a:r>
             <a:rPr lang="en-US" sz="3000" kern="1200"/>
@@ -3586,7 +3617,7 @@
           <a:p>
             <a:fld id="{2C4E7C38-66FF-0F48-89D3-6A62474BA3D7}" type="datetimeFigureOut">
               <a:rPr lang="x-none" smtClean="0"/>
-              <a:t>2/23/2025</a:t>
+              <a:t>27-Feb-25</a:t>
             </a:fld>
             <a:endParaRPr lang="x-none"/>
           </a:p>
@@ -11692,7 +11723,7 @@
                 <a14:useLocalDpi xmlns:a14="http://schemas.microsoft.com/office/drawing/2010/main" val="0"/>
               </a:ext>
               <a:ext uri="{96DAC541-7B7A-43D3-8B79-37D633B846F1}">
-                <asvg:svgBlip xmlns:asvg="http://schemas.microsoft.com/office/drawing/2016/SVG/main" r:embed="rId3"/>
+                <asvg:svgBlip xmlns:asvg="http://schemas.microsoft.com/office/drawing/2016/SVG/main" xmlns="" r:embed="rId3"/>
               </a:ext>
             </a:extLst>
           </a:blip>
@@ -12803,7 +12834,7 @@
         </p:nvSpPr>
         <p:spPr>
           <a:xfrm>
-            <a:off x="698270" y="1417505"/>
+            <a:off x="804595" y="2173752"/>
             <a:ext cx="2934073" cy="2677656"/>
           </a:xfrm>
           <a:prstGeom prst="rect">
@@ -12903,7 +12934,7 @@
         </p:nvSpPr>
         <p:spPr>
           <a:xfrm>
-            <a:off x="465513" y="1285511"/>
+            <a:off x="488903" y="1827772"/>
             <a:ext cx="3740727" cy="3369616"/>
           </a:xfrm>
           <a:prstGeom prst="rect">
@@ -14823,7 +14854,7 @@
         </p:spPr>
         <p:txBody>
           <a:bodyPr vert="horz" lIns="91440" tIns="45720" rIns="91440" bIns="45720" rtlCol="0" anchor="b">
-            <a:normAutofit fontScale="92500"/>
+            <a:normAutofit/>
           </a:bodyPr>
           <a:lstStyle/>
           <a:p>
@@ -16379,7 +16410,7 @@
         </p:nvSpPr>
         <p:spPr>
           <a:xfrm>
-            <a:off x="681644" y="2244436"/>
+            <a:off x="1075049" y="2277517"/>
             <a:ext cx="2521396" cy="2677656"/>
           </a:xfrm>
           <a:prstGeom prst="rect">
